--- a/上課教材/Week8.pptx
+++ b/上課教材/Week8.pptx
@@ -9,9 +9,10 @@
     <p:sldId id="316" r:id="rId3"/>
     <p:sldId id="319" r:id="rId4"/>
     <p:sldId id="317" r:id="rId5"/>
-    <p:sldId id="318" r:id="rId6"/>
-    <p:sldId id="259" r:id="rId7"/>
-    <p:sldId id="312" r:id="rId8"/>
+    <p:sldId id="321" r:id="rId6"/>
+    <p:sldId id="320" r:id="rId7"/>
+    <p:sldId id="259" r:id="rId8"/>
+    <p:sldId id="322" r:id="rId9"/>
   </p:sldIdLst>
   <p:sldSz cx="12192000" cy="6858000"/>
   <p:notesSz cx="6858000" cy="9144000"/>
@@ -121,13 +122,7 @@
 <file path=ppt/revisionInfo.xml><?xml version="1.0" encoding="utf-8"?>
 <p1510:revInfo xmlns:a="http://schemas.openxmlformats.org/drawingml/2006/main" xmlns:r="http://schemas.openxmlformats.org/officeDocument/2006/relationships" xmlns:p1510="http://schemas.microsoft.com/office/powerpoint/2015/10/main">
   <p1510:revLst>
-    <p1510:client id="{091A637F-8D54-4E54-83E0-103516D33677}" v="6" dt="2020-06-02T00:22:26.420"/>
-    <p1510:client id="{6D2A1A01-EC8D-4986-A7F4-9D182A212EBD}" v="9" dt="2020-06-02T02:31:32.881"/>
-    <p1510:client id="{73C49393-00F6-48C7-99DB-5262FA837701}" v="22" dt="2020-06-02T00:14:48.543"/>
-    <p1510:client id="{794224D3-789D-47BB-A0D2-62C663EDB1CA}" v="219" dt="2020-06-01T23:07:13.750"/>
-    <p1510:client id="{A2F4D413-9D68-4A8C-9D49-8D8D17D6E9EA}" v="4" dt="2020-06-02T00:29:06.813"/>
-    <p1510:client id="{B8F2E660-6EAC-4E5F-9FAD-C2E9F9826A85}" v="1" dt="2020-06-02T00:34:09.844"/>
-    <p1510:client id="{F1FA031A-4D31-4AEE-8DCB-44C85EA436EB}" v="214" dt="2020-06-02T00:07:24.642"/>
+    <p1510:client id="{6D2A1A01-EC8D-4986-A7F4-9D182A212EBD}" v="39" dt="2020-06-08T01:34:30.182"/>
   </p1510:revLst>
 </p1510:revInfo>
 </file>
@@ -136,8 +131,8 @@
 <pc:chgInfo xmlns:a="http://schemas.openxmlformats.org/drawingml/2006/main" xmlns:r="http://schemas.openxmlformats.org/officeDocument/2006/relationships" xmlns:ac="http://schemas.microsoft.com/office/drawing/2013/main/command" xmlns:pc="http://schemas.microsoft.com/office/powerpoint/2013/main/command">
   <pc:docChgLst>
     <pc:chgData name="Ming-Chih Lin" userId="f1ba3ba5-e185-404b-b55f-b2be90e2bdc2" providerId="ADAL" clId="{6D2A1A01-EC8D-4986-A7F4-9D182A212EBD}"/>
-    <pc:docChg chg="undo custSel addSld modSld">
-      <pc:chgData name="Ming-Chih Lin" userId="f1ba3ba5-e185-404b-b55f-b2be90e2bdc2" providerId="ADAL" clId="{6D2A1A01-EC8D-4986-A7F4-9D182A212EBD}" dt="2020-06-02T02:31:52.306" v="25" actId="5793"/>
+    <pc:docChg chg="undo custSel addSld delSld modSld">
+      <pc:chgData name="Ming-Chih Lin" userId="f1ba3ba5-e185-404b-b55f-b2be90e2bdc2" providerId="ADAL" clId="{6D2A1A01-EC8D-4986-A7F4-9D182A212EBD}" dt="2020-06-08T01:34:46.385" v="589" actId="478"/>
       <pc:docMkLst>
         <pc:docMk/>
       </pc:docMkLst>
@@ -156,14 +151,52 @@
           </ac:spMkLst>
         </pc:spChg>
       </pc:sldChg>
+      <pc:sldChg chg="del">
+        <pc:chgData name="Ming-Chih Lin" userId="f1ba3ba5-e185-404b-b55f-b2be90e2bdc2" providerId="ADAL" clId="{6D2A1A01-EC8D-4986-A7F4-9D182A212EBD}" dt="2020-06-08T01:34:27.476" v="586" actId="47"/>
+        <pc:sldMkLst>
+          <pc:docMk/>
+          <pc:sldMk cId="1266417032" sldId="312"/>
+        </pc:sldMkLst>
+      </pc:sldChg>
+      <pc:sldChg chg="addSp delSp modSp">
+        <pc:chgData name="Ming-Chih Lin" userId="f1ba3ba5-e185-404b-b55f-b2be90e2bdc2" providerId="ADAL" clId="{6D2A1A01-EC8D-4986-A7F4-9D182A212EBD}" dt="2020-06-08T01:22:36.351" v="35"/>
+        <pc:sldMkLst>
+          <pc:docMk/>
+          <pc:sldMk cId="19629556" sldId="316"/>
+        </pc:sldMkLst>
+        <pc:spChg chg="add del">
+          <ac:chgData name="Ming-Chih Lin" userId="f1ba3ba5-e185-404b-b55f-b2be90e2bdc2" providerId="ADAL" clId="{6D2A1A01-EC8D-4986-A7F4-9D182A212EBD}" dt="2020-06-08T01:22:18.351" v="32"/>
+          <ac:spMkLst>
+            <pc:docMk/>
+            <pc:sldMk cId="19629556" sldId="316"/>
+            <ac:spMk id="2" creationId="{9FABECE8-CC4D-4676-B972-954EDBFE0A1D}"/>
+          </ac:spMkLst>
+        </pc:spChg>
+        <pc:spChg chg="add del">
+          <ac:chgData name="Ming-Chih Lin" userId="f1ba3ba5-e185-404b-b55f-b2be90e2bdc2" providerId="ADAL" clId="{6D2A1A01-EC8D-4986-A7F4-9D182A212EBD}" dt="2020-06-08T01:22:20.847" v="34"/>
+          <ac:spMkLst>
+            <pc:docMk/>
+            <pc:sldMk cId="19629556" sldId="316"/>
+            <ac:spMk id="3" creationId="{B14C5554-D930-42F9-BB91-E85750A21B28}"/>
+          </ac:spMkLst>
+        </pc:spChg>
+        <pc:spChg chg="mod">
+          <ac:chgData name="Ming-Chih Lin" userId="f1ba3ba5-e185-404b-b55f-b2be90e2bdc2" providerId="ADAL" clId="{6D2A1A01-EC8D-4986-A7F4-9D182A212EBD}" dt="2020-06-08T01:22:36.351" v="35"/>
+          <ac:spMkLst>
+            <pc:docMk/>
+            <pc:sldMk cId="19629556" sldId="316"/>
+            <ac:spMk id="4" creationId="{2FA54F75-D405-4104-B6BB-EA44A23A109A}"/>
+          </ac:spMkLst>
+        </pc:spChg>
+      </pc:sldChg>
       <pc:sldChg chg="addSp modSp mod chgLayout">
-        <pc:chgData name="Ming-Chih Lin" userId="f1ba3ba5-e185-404b-b55f-b2be90e2bdc2" providerId="ADAL" clId="{6D2A1A01-EC8D-4986-A7F4-9D182A212EBD}" dt="2020-06-02T02:31:46.844" v="23" actId="5793"/>
+        <pc:chgData name="Ming-Chih Lin" userId="f1ba3ba5-e185-404b-b55f-b2be90e2bdc2" providerId="ADAL" clId="{6D2A1A01-EC8D-4986-A7F4-9D182A212EBD}" dt="2020-06-08T01:33:27.528" v="575" actId="20577"/>
         <pc:sldMkLst>
           <pc:docMk/>
           <pc:sldMk cId="497064445" sldId="317"/>
         </pc:sldMkLst>
         <pc:spChg chg="add mod ord">
-          <ac:chgData name="Ming-Chih Lin" userId="f1ba3ba5-e185-404b-b55f-b2be90e2bdc2" providerId="ADAL" clId="{6D2A1A01-EC8D-4986-A7F4-9D182A212EBD}" dt="2020-06-02T02:31:46.844" v="23" actId="5793"/>
+          <ac:chgData name="Ming-Chih Lin" userId="f1ba3ba5-e185-404b-b55f-b2be90e2bdc2" providerId="ADAL" clId="{6D2A1A01-EC8D-4986-A7F4-9D182A212EBD}" dt="2020-06-08T01:33:27.528" v="575" actId="20577"/>
           <ac:spMkLst>
             <pc:docMk/>
             <pc:sldMk cId="497064445" sldId="317"/>
@@ -179,8 +212,8 @@
           </ac:spMkLst>
         </pc:spChg>
       </pc:sldChg>
-      <pc:sldChg chg="addSp modSp mod chgLayout">
-        <pc:chgData name="Ming-Chih Lin" userId="f1ba3ba5-e185-404b-b55f-b2be90e2bdc2" providerId="ADAL" clId="{6D2A1A01-EC8D-4986-A7F4-9D182A212EBD}" dt="2020-06-02T02:31:52.306" v="25" actId="5793"/>
+      <pc:sldChg chg="addSp modSp del mod chgLayout">
+        <pc:chgData name="Ming-Chih Lin" userId="f1ba3ba5-e185-404b-b55f-b2be90e2bdc2" providerId="ADAL" clId="{6D2A1A01-EC8D-4986-A7F4-9D182A212EBD}" dt="2020-06-08T01:31:53.451" v="524" actId="47"/>
         <pc:sldMkLst>
           <pc:docMk/>
           <pc:sldMk cId="1705629521" sldId="318"/>
@@ -194,7 +227,7 @@
           </ac:spMkLst>
         </pc:spChg>
         <pc:spChg chg="mod ord">
-          <ac:chgData name="Ming-Chih Lin" userId="f1ba3ba5-e185-404b-b55f-b2be90e2bdc2" providerId="ADAL" clId="{6D2A1A01-EC8D-4986-A7F4-9D182A212EBD}" dt="2020-06-02T02:09:13.934" v="12"/>
+          <ac:chgData name="Ming-Chih Lin" userId="f1ba3ba5-e185-404b-b55f-b2be90e2bdc2" providerId="ADAL" clId="{6D2A1A01-EC8D-4986-A7F4-9D182A212EBD}" dt="2020-06-08T01:21:06.419" v="28" actId="20577"/>
           <ac:spMkLst>
             <pc:docMk/>
             <pc:sldMk cId="1705629521" sldId="318"/>
@@ -203,7 +236,7 @@
         </pc:spChg>
       </pc:sldChg>
       <pc:sldChg chg="addSp delSp modSp new mod modClrScheme chgLayout">
-        <pc:chgData name="Ming-Chih Lin" userId="f1ba3ba5-e185-404b-b55f-b2be90e2bdc2" providerId="ADAL" clId="{6D2A1A01-EC8D-4986-A7F4-9D182A212EBD}" dt="2020-06-02T02:31:34.834" v="19" actId="5793"/>
+        <pc:chgData name="Ming-Chih Lin" userId="f1ba3ba5-e185-404b-b55f-b2be90e2bdc2" providerId="ADAL" clId="{6D2A1A01-EC8D-4986-A7F4-9D182A212EBD}" dt="2020-06-08T01:21:36.229" v="30" actId="20577"/>
         <pc:sldMkLst>
           <pc:docMk/>
           <pc:sldMk cId="160367732" sldId="319"/>
@@ -225,7 +258,7 @@
           </ac:spMkLst>
         </pc:spChg>
         <pc:spChg chg="add mod ord">
-          <ac:chgData name="Ming-Chih Lin" userId="f1ba3ba5-e185-404b-b55f-b2be90e2bdc2" providerId="ADAL" clId="{6D2A1A01-EC8D-4986-A7F4-9D182A212EBD}" dt="2020-06-02T02:31:32.881" v="17"/>
+          <ac:chgData name="Ming-Chih Lin" userId="f1ba3ba5-e185-404b-b55f-b2be90e2bdc2" providerId="ADAL" clId="{6D2A1A01-EC8D-4986-A7F4-9D182A212EBD}" dt="2020-06-08T01:21:36.229" v="30" actId="20577"/>
           <ac:spMkLst>
             <pc:docMk/>
             <pc:sldMk cId="160367732" sldId="319"/>
@@ -238,6 +271,82 @@
             <pc:docMk/>
             <pc:sldMk cId="160367732" sldId="319"/>
             <ac:spMk id="5" creationId="{C7BEC5DF-91D3-44EA-830D-5A5F4580435F}"/>
+          </ac:spMkLst>
+        </pc:spChg>
+      </pc:sldChg>
+      <pc:sldChg chg="modSp new mod">
+        <pc:chgData name="Ming-Chih Lin" userId="f1ba3ba5-e185-404b-b55f-b2be90e2bdc2" providerId="ADAL" clId="{6D2A1A01-EC8D-4986-A7F4-9D182A212EBD}" dt="2020-06-08T01:33:42.585" v="585" actId="6549"/>
+        <pc:sldMkLst>
+          <pc:docMk/>
+          <pc:sldMk cId="2614292057" sldId="320"/>
+        </pc:sldMkLst>
+        <pc:spChg chg="mod">
+          <ac:chgData name="Ming-Chih Lin" userId="f1ba3ba5-e185-404b-b55f-b2be90e2bdc2" providerId="ADAL" clId="{6D2A1A01-EC8D-4986-A7F4-9D182A212EBD}" dt="2020-06-08T01:33:42.585" v="585" actId="6549"/>
+          <ac:spMkLst>
+            <pc:docMk/>
+            <pc:sldMk cId="2614292057" sldId="320"/>
+            <ac:spMk id="2" creationId="{B9DF036F-9689-4052-9877-0BE5A3A625F9}"/>
+          </ac:spMkLst>
+        </pc:spChg>
+        <pc:spChg chg="mod">
+          <ac:chgData name="Ming-Chih Lin" userId="f1ba3ba5-e185-404b-b55f-b2be90e2bdc2" providerId="ADAL" clId="{6D2A1A01-EC8D-4986-A7F4-9D182A212EBD}" dt="2020-06-08T01:25:14.958" v="204"/>
+          <ac:spMkLst>
+            <pc:docMk/>
+            <pc:sldMk cId="2614292057" sldId="320"/>
+            <ac:spMk id="3" creationId="{5F6813E9-76E3-4BF8-A3A4-D27FAC656787}"/>
+          </ac:spMkLst>
+        </pc:spChg>
+      </pc:sldChg>
+      <pc:sldChg chg="modSp new del mod">
+        <pc:chgData name="Ming-Chih Lin" userId="f1ba3ba5-e185-404b-b55f-b2be90e2bdc2" providerId="ADAL" clId="{6D2A1A01-EC8D-4986-A7F4-9D182A212EBD}" dt="2020-06-08T01:23:24.591" v="47" actId="47"/>
+        <pc:sldMkLst>
+          <pc:docMk/>
+          <pc:sldMk cId="2781032899" sldId="320"/>
+        </pc:sldMkLst>
+        <pc:spChg chg="mod">
+          <ac:chgData name="Ming-Chih Lin" userId="f1ba3ba5-e185-404b-b55f-b2be90e2bdc2" providerId="ADAL" clId="{6D2A1A01-EC8D-4986-A7F4-9D182A212EBD}" dt="2020-06-08T01:23:19.152" v="46" actId="20577"/>
+          <ac:spMkLst>
+            <pc:docMk/>
+            <pc:sldMk cId="2781032899" sldId="320"/>
+            <ac:spMk id="3" creationId="{182F55BE-F500-4096-ACA6-533792DD2A67}"/>
+          </ac:spMkLst>
+        </pc:spChg>
+      </pc:sldChg>
+      <pc:sldChg chg="modSp new mod">
+        <pc:chgData name="Ming-Chih Lin" userId="f1ba3ba5-e185-404b-b55f-b2be90e2bdc2" providerId="ADAL" clId="{6D2A1A01-EC8D-4986-A7F4-9D182A212EBD}" dt="2020-06-08T01:31:40.487" v="523" actId="20577"/>
+        <pc:sldMkLst>
+          <pc:docMk/>
+          <pc:sldMk cId="498013799" sldId="321"/>
+        </pc:sldMkLst>
+        <pc:spChg chg="mod">
+          <ac:chgData name="Ming-Chih Lin" userId="f1ba3ba5-e185-404b-b55f-b2be90e2bdc2" providerId="ADAL" clId="{6D2A1A01-EC8D-4986-A7F4-9D182A212EBD}" dt="2020-06-08T01:31:40.487" v="523" actId="20577"/>
+          <ac:spMkLst>
+            <pc:docMk/>
+            <pc:sldMk cId="498013799" sldId="321"/>
+            <ac:spMk id="3" creationId="{42DEF491-63CB-4B3A-88DF-4A0B1A32B4D3}"/>
+          </ac:spMkLst>
+        </pc:spChg>
+      </pc:sldChg>
+      <pc:sldChg chg="delSp modSp add mod modClrScheme chgLayout">
+        <pc:chgData name="Ming-Chih Lin" userId="f1ba3ba5-e185-404b-b55f-b2be90e2bdc2" providerId="ADAL" clId="{6D2A1A01-EC8D-4986-A7F4-9D182A212EBD}" dt="2020-06-08T01:34:46.385" v="589" actId="478"/>
+        <pc:sldMkLst>
+          <pc:docMk/>
+          <pc:sldMk cId="4257906971" sldId="322"/>
+        </pc:sldMkLst>
+        <pc:spChg chg="del mod ord">
+          <ac:chgData name="Ming-Chih Lin" userId="f1ba3ba5-e185-404b-b55f-b2be90e2bdc2" providerId="ADAL" clId="{6D2A1A01-EC8D-4986-A7F4-9D182A212EBD}" dt="2020-06-08T01:34:46.385" v="589" actId="478"/>
+          <ac:spMkLst>
+            <pc:docMk/>
+            <pc:sldMk cId="4257906971" sldId="322"/>
+            <ac:spMk id="4" creationId="{2FA54F75-D405-4104-B6BB-EA44A23A109A}"/>
+          </ac:spMkLst>
+        </pc:spChg>
+        <pc:spChg chg="del">
+          <ac:chgData name="Ming-Chih Lin" userId="f1ba3ba5-e185-404b-b55f-b2be90e2bdc2" providerId="ADAL" clId="{6D2A1A01-EC8D-4986-A7F4-9D182A212EBD}" dt="2020-06-08T01:34:39.705" v="588" actId="700"/>
+          <ac:spMkLst>
+            <pc:docMk/>
+            <pc:sldMk cId="4257906971" sldId="322"/>
+            <ac:spMk id="5" creationId="{CEE2A55E-C73D-43FF-AA36-95C0FF95B7B1}"/>
           </ac:spMkLst>
         </pc:spChg>
       </pc:sldChg>
@@ -6095,7 +6204,7 @@
           <a:p>
             <a:fld id="{FA1E3ED8-1BB4-4BD2-AB23-359644E070C2}" type="datetimeFigureOut">
               <a:rPr lang="zh-TW" altLang="en-US" smtClean="0"/>
-              <a:t>2020/6/2</a:t>
+              <a:t>2020/6/8</a:t>
             </a:fld>
             <a:endParaRPr lang="zh-TW" altLang="en-US"/>
           </a:p>
@@ -11299,7 +11408,7 @@
           <a:p>
             <a:r>
               <a:rPr lang="zh-TW" altLang="en-US" dirty="0"/>
-              <a:t>正規表示式</a:t>
+              <a:t>程式加密及版本管理介紹</a:t>
             </a:r>
           </a:p>
         </p:txBody>
@@ -11457,7 +11566,7 @@
           <a:p>
             <a:r>
               <a:rPr lang="zh-TW" altLang="en-US" dirty="0"/>
-              <a:t>如何不讓別人看到我腳本的程式碼？</a:t>
+              <a:t>如何不讓別人看到程式碼？</a:t>
             </a:r>
             <a:br>
               <a:rPr lang="zh-TW" altLang="en-US" dirty="0"/>
@@ -11562,6 +11671,27 @@
             </a:r>
           </a:p>
           <a:p>
+            <a:r>
+              <a:rPr lang="zh-TW" altLang="en-US" dirty="0"/>
+              <a:t>模組化</a:t>
+            </a:r>
+            <a:endParaRPr lang="en-US" altLang="zh-TW" dirty="0"/>
+          </a:p>
+          <a:p>
+            <a:r>
+              <a:rPr lang="zh-TW" altLang="en-US" dirty="0"/>
+              <a:t>單元測試</a:t>
+            </a:r>
+            <a:endParaRPr lang="en-US" altLang="zh-TW" dirty="0"/>
+          </a:p>
+          <a:p>
+            <a:r>
+              <a:rPr lang="zh-TW" altLang="en-US" dirty="0"/>
+              <a:t>版本管理</a:t>
+            </a:r>
+            <a:endParaRPr lang="en-US" altLang="zh-TW" dirty="0"/>
+          </a:p>
+          <a:p>
             <a:endParaRPr lang="zh-TW" altLang="en-US" dirty="0"/>
           </a:p>
         </p:txBody>
@@ -11641,7 +11771,7 @@
           <p:cNvPr id="2" name="內容版面配置區 1">
             <a:extLst>
               <a:ext uri="{FF2B5EF4-FFF2-40B4-BE49-F238E27FC236}">
-                <a16:creationId xmlns:a16="http://schemas.microsoft.com/office/drawing/2014/main" id="{FD064A3B-9936-4C00-B012-C8B170F33144}"/>
+                <a16:creationId xmlns:a16="http://schemas.microsoft.com/office/drawing/2014/main" id="{48F062B5-5D11-4D17-B81E-419DDA537D9A}"/>
               </a:ext>
             </a:extLst>
           </p:cNvPr>
@@ -11657,20 +11787,7 @@
           <a:bodyPr/>
           <a:lstStyle/>
           <a:p>
-            <a:pPr marL="0" indent="0">
-              <a:buNone/>
-            </a:pPr>
-            <a:r>
-              <a:rPr lang="zh-TW" altLang="en-US"/>
-              <a:t>除非</a:t>
-            </a:r>
-            <a:r>
-              <a:rPr lang="zh-TW" altLang="en-US" dirty="0"/>
-              <a:t>使用者與編程者是同一人，否則溝通是無可避免。溝通所花的時間與精力往往還超過編程工作本身。溝通是軟體工程當中一個很重要的課題。這也正是模擬自動化很難普及的一個原因。模擬軟體有許多深奧的理論及工法，這很難說給專職的程式設計師理解。因此，由模擬軟體的使用者來開發自動化程式相對是一個比較可行的途徑。</a:t>
-            </a:r>
-          </a:p>
-          <a:p>
-            <a:endParaRPr lang="zh-TW" altLang="en-US" dirty="0"/>
+            <a:endParaRPr lang="zh-TW" altLang="en-US"/>
           </a:p>
         </p:txBody>
       </p:sp>
@@ -11679,7 +11796,7 @@
           <p:cNvPr id="3" name="標題 2">
             <a:extLst>
               <a:ext uri="{FF2B5EF4-FFF2-40B4-BE49-F238E27FC236}">
-                <a16:creationId xmlns:a16="http://schemas.microsoft.com/office/drawing/2014/main" id="{E7C3D928-2CE9-4266-A577-F5AA1DFC7CE3}"/>
+                <a16:creationId xmlns:a16="http://schemas.microsoft.com/office/drawing/2014/main" id="{42DEF491-63CB-4B3A-88DF-4A0B1A32B4D3}"/>
               </a:ext>
             </a:extLst>
           </p:cNvPr>
@@ -11696,16 +11813,21 @@
           <a:lstStyle/>
           <a:p>
             <a:r>
-              <a:rPr lang="zh-TW" altLang="en-US" dirty="0"/>
-              <a:t>那麼說，溝通是一件很重要的事了？</a:t>
-            </a:r>
+              <a:rPr lang="en-US" altLang="zh-TW" dirty="0"/>
+              <a:t>Git and </a:t>
+            </a:r>
+            <a:r>
+              <a:rPr lang="en-US" altLang="zh-TW" dirty="0" err="1"/>
+              <a:t>Github</a:t>
+            </a:r>
+            <a:endParaRPr lang="zh-TW" altLang="en-US" dirty="0"/>
           </a:p>
         </p:txBody>
       </p:sp>
     </p:spTree>
     <p:extLst>
       <p:ext uri="{BB962C8B-B14F-4D97-AF65-F5344CB8AC3E}">
-        <p14:creationId xmlns:p14="http://schemas.microsoft.com/office/powerpoint/2010/main" val="1705629521"/>
+        <p14:creationId xmlns:p14="http://schemas.microsoft.com/office/powerpoint/2010/main" val="498013799"/>
       </p:ext>
     </p:extLst>
   </p:cSld>
@@ -11746,10 +11868,10 @@
       </p:grpSpPr>
       <p:sp>
         <p:nvSpPr>
-          <p:cNvPr id="4" name="文字版面配置區 3">
-            <a:extLst>
-              <a:ext uri="{FF2B5EF4-FFF2-40B4-BE49-F238E27FC236}">
-                <a16:creationId xmlns:a16="http://schemas.microsoft.com/office/drawing/2014/main" id="{2FA54F75-D405-4104-B6BB-EA44A23A109A}"/>
+          <p:cNvPr id="2" name="內容版面配置區 1">
+            <a:extLst>
+              <a:ext uri="{FF2B5EF4-FFF2-40B4-BE49-F238E27FC236}">
+                <a16:creationId xmlns:a16="http://schemas.microsoft.com/office/drawing/2014/main" id="{B9DF036F-9689-4052-9877-0BE5A3A625F9}"/>
               </a:ext>
             </a:extLst>
           </p:cNvPr>
@@ -11757,7 +11879,160 @@
             <a:spLocks noGrp="1"/>
           </p:cNvSpPr>
           <p:nvPr>
-            <p:ph type="body" sz="quarter" idx="10"/>
+            <p:ph idx="1"/>
+          </p:nvPr>
+        </p:nvSpPr>
+        <p:spPr/>
+        <p:txBody>
+          <a:bodyPr numCol="2"/>
+          <a:lstStyle/>
+          <a:p>
+            <a:pPr marL="0" indent="0">
+              <a:buNone/>
+            </a:pPr>
+            <a:r>
+              <a:rPr lang="en-US" altLang="zh-TW" b="1" dirty="0"/>
+              <a:t>Python</a:t>
+            </a:r>
+          </a:p>
+          <a:p>
+            <a:r>
+              <a:rPr lang="en-US" altLang="zh-TW" dirty="0"/>
+              <a:t>Debug</a:t>
+            </a:r>
+          </a:p>
+          <a:p>
+            <a:r>
+              <a:rPr lang="en-US" altLang="zh-TW" dirty="0"/>
+              <a:t>Object Oriented Programming</a:t>
+            </a:r>
+          </a:p>
+          <a:p>
+            <a:r>
+              <a:rPr lang="en-US" altLang="zh-TW" dirty="0"/>
+              <a:t>Module and </a:t>
+            </a:r>
+            <a:r>
+              <a:rPr lang="en-US" altLang="zh-TW" dirty="0" err="1"/>
+              <a:t>Packate</a:t>
+            </a:r>
+            <a:endParaRPr lang="en-US" altLang="zh-TW" dirty="0"/>
+          </a:p>
+          <a:p>
+            <a:r>
+              <a:rPr lang="en-US" altLang="zh-TW" dirty="0" err="1"/>
+              <a:t>Numpy</a:t>
+            </a:r>
+            <a:r>
+              <a:rPr lang="en-US" altLang="zh-TW" dirty="0"/>
+              <a:t> &amp; </a:t>
+            </a:r>
+            <a:r>
+              <a:rPr lang="en-US" altLang="zh-TW" dirty="0" err="1"/>
+              <a:t>Scipy</a:t>
+            </a:r>
+            <a:endParaRPr lang="en-US" altLang="zh-TW" dirty="0"/>
+          </a:p>
+          <a:p>
+            <a:r>
+              <a:rPr lang="en-US" altLang="zh-TW" dirty="0"/>
+              <a:t>Multi Thread</a:t>
+            </a:r>
+          </a:p>
+          <a:p>
+            <a:r>
+              <a:rPr lang="en-US" altLang="zh-TW" dirty="0"/>
+              <a:t>Machine Learning</a:t>
+            </a:r>
+          </a:p>
+          <a:p>
+            <a:r>
+              <a:rPr lang="en-US" altLang="zh-TW" dirty="0"/>
+              <a:t>…</a:t>
+            </a:r>
+          </a:p>
+          <a:p>
+            <a:pPr marL="0" indent="0">
+              <a:buNone/>
+            </a:pPr>
+            <a:endParaRPr lang="en-US" altLang="zh-TW" dirty="0"/>
+          </a:p>
+          <a:p>
+            <a:pPr marL="0" indent="0">
+              <a:buNone/>
+            </a:pPr>
+            <a:endParaRPr lang="en-US" altLang="zh-TW" dirty="0"/>
+          </a:p>
+          <a:p>
+            <a:pPr marL="0" indent="0">
+              <a:buNone/>
+            </a:pPr>
+            <a:r>
+              <a:rPr lang="en-US" altLang="zh-TW" b="1" dirty="0"/>
+              <a:t>AEDT</a:t>
+            </a:r>
+          </a:p>
+          <a:p>
+            <a:r>
+              <a:rPr lang="en-US" altLang="zh-TW" dirty="0"/>
+              <a:t>ODB</a:t>
+            </a:r>
+          </a:p>
+          <a:p>
+            <a:r>
+              <a:rPr lang="en-US" altLang="zh-TW" dirty="0"/>
+              <a:t>Batch Modeling and Post Processing</a:t>
+            </a:r>
+          </a:p>
+          <a:p>
+            <a:r>
+              <a:rPr lang="en-US" altLang="zh-TW" dirty="0"/>
+              <a:t>ACT</a:t>
+            </a:r>
+          </a:p>
+          <a:p>
+            <a:r>
+              <a:rPr lang="en-US" altLang="zh-TW" dirty="0"/>
+              <a:t>UDP</a:t>
+            </a:r>
+            <a:r>
+              <a:rPr lang="zh-TW" altLang="en-US" dirty="0"/>
+              <a:t> </a:t>
+            </a:r>
+            <a:r>
+              <a:rPr lang="en-US" altLang="zh-TW" dirty="0"/>
+              <a:t>(User Defined Primitive)</a:t>
+            </a:r>
+          </a:p>
+          <a:p>
+            <a:r>
+              <a:rPr lang="en-US" altLang="zh-TW" dirty="0"/>
+              <a:t>UDO (User Defined Output)</a:t>
+            </a:r>
+          </a:p>
+          <a:p>
+            <a:r>
+              <a:rPr lang="en-US" altLang="zh-TW" dirty="0"/>
+              <a:t>…</a:t>
+            </a:r>
+            <a:endParaRPr lang="zh-TW" altLang="en-US" dirty="0"/>
+          </a:p>
+        </p:txBody>
+      </p:sp>
+      <p:sp>
+        <p:nvSpPr>
+          <p:cNvPr id="3" name="標題 2">
+            <a:extLst>
+              <a:ext uri="{FF2B5EF4-FFF2-40B4-BE49-F238E27FC236}">
+                <a16:creationId xmlns:a16="http://schemas.microsoft.com/office/drawing/2014/main" id="{5F6813E9-76E3-4BF8-A3A4-D27FAC656787}"/>
+              </a:ext>
+            </a:extLst>
+          </p:cNvPr>
+          <p:cNvSpPr>
+            <a:spLocks noGrp="1"/>
+          </p:cNvSpPr>
+          <p:nvPr>
+            <p:ph type="title"/>
           </p:nvPr>
         </p:nvSpPr>
         <p:spPr/>
@@ -11767,40 +12042,15 @@
           <a:p>
             <a:r>
               <a:rPr lang="zh-TW" altLang="en-US" dirty="0"/>
-              <a:t>專題討論 </a:t>
-            </a:r>
-          </a:p>
-        </p:txBody>
-      </p:sp>
-      <p:sp>
-        <p:nvSpPr>
-          <p:cNvPr id="5" name="文字版面配置區 4">
-            <a:extLst>
-              <a:ext uri="{FF2B5EF4-FFF2-40B4-BE49-F238E27FC236}">
-                <a16:creationId xmlns:a16="http://schemas.microsoft.com/office/drawing/2014/main" id="{CEE2A55E-C73D-43FF-AA36-95C0FF95B7B1}"/>
-              </a:ext>
-            </a:extLst>
-          </p:cNvPr>
-          <p:cNvSpPr>
-            <a:spLocks noGrp="1"/>
-          </p:cNvSpPr>
-          <p:nvPr>
-            <p:ph type="body" sz="quarter" idx="12"/>
-          </p:nvPr>
-        </p:nvSpPr>
-        <p:spPr/>
-        <p:txBody>
-          <a:bodyPr/>
-          <a:lstStyle/>
-          <a:p>
-            <a:endParaRPr lang="zh-TW" altLang="en-US"/>
+              <a:t>進階研究課題</a:t>
+            </a:r>
           </a:p>
         </p:txBody>
       </p:sp>
     </p:spTree>
     <p:extLst>
       <p:ext uri="{BB962C8B-B14F-4D97-AF65-F5344CB8AC3E}">
-        <p14:creationId xmlns:p14="http://schemas.microsoft.com/office/powerpoint/2010/main" val="929909194"/>
+        <p14:creationId xmlns:p14="http://schemas.microsoft.com/office/powerpoint/2010/main" val="2614292057"/>
       </p:ext>
     </p:extLst>
   </p:cSld>
@@ -11841,10 +12091,10 @@
       </p:grpSpPr>
       <p:sp>
         <p:nvSpPr>
-          <p:cNvPr id="5" name="內容版面配置區 4">
-            <a:extLst>
-              <a:ext uri="{FF2B5EF4-FFF2-40B4-BE49-F238E27FC236}">
-                <a16:creationId xmlns:a16="http://schemas.microsoft.com/office/drawing/2014/main" id="{221EB24A-D4DB-45CB-BE7B-D41F7B493329}"/>
+          <p:cNvPr id="4" name="文字版面配置區 3">
+            <a:extLst>
+              <a:ext uri="{FF2B5EF4-FFF2-40B4-BE49-F238E27FC236}">
+                <a16:creationId xmlns:a16="http://schemas.microsoft.com/office/drawing/2014/main" id="{2FA54F75-D405-4104-B6BB-EA44A23A109A}"/>
               </a:ext>
             </a:extLst>
           </p:cNvPr>
@@ -11852,7 +12102,7 @@
             <a:spLocks noGrp="1"/>
           </p:cNvSpPr>
           <p:nvPr>
-            <p:ph idx="1"/>
+            <p:ph type="body" sz="quarter" idx="10"/>
           </p:nvPr>
         </p:nvSpPr>
         <p:spPr/>
@@ -11862,62 +12112,17 @@
           <a:p>
             <a:r>
               <a:rPr lang="zh-TW" altLang="en-US" dirty="0"/>
-              <a:t>題目</a:t>
-            </a:r>
-            <a:r>
-              <a:rPr lang="en-US" altLang="zh-TW" dirty="0"/>
-              <a:t>:</a:t>
-            </a:r>
-          </a:p>
-          <a:p>
-            <a:r>
-              <a:rPr lang="zh-TW" altLang="en-US" dirty="0"/>
-              <a:t>緣由</a:t>
-            </a:r>
-            <a:r>
-              <a:rPr lang="en-US" altLang="zh-TW" dirty="0"/>
-              <a:t>:</a:t>
-            </a:r>
-          </a:p>
-          <a:p>
-            <a:r>
-              <a:rPr lang="zh-TW" altLang="en-US" dirty="0"/>
-              <a:t>輸入</a:t>
-            </a:r>
-            <a:r>
-              <a:rPr lang="en-US" altLang="zh-TW" dirty="0"/>
-              <a:t>:</a:t>
-            </a:r>
-          </a:p>
-          <a:p>
-            <a:r>
-              <a:rPr lang="zh-TW" altLang="en-US" dirty="0"/>
-              <a:t>輸出</a:t>
-            </a:r>
-            <a:r>
-              <a:rPr lang="en-US" altLang="zh-TW" dirty="0"/>
-              <a:t>:</a:t>
-            </a:r>
-          </a:p>
-          <a:p>
-            <a:r>
-              <a:rPr lang="zh-TW" altLang="en-US" dirty="0"/>
-              <a:t>該如何分解題目</a:t>
-            </a:r>
-            <a:r>
-              <a:rPr lang="en-US" altLang="zh-TW" dirty="0"/>
-              <a:t>:</a:t>
-            </a:r>
-            <a:endParaRPr lang="zh-TW" altLang="en-US" dirty="0"/>
+              <a:t>專題討論 </a:t>
+            </a:r>
           </a:p>
         </p:txBody>
       </p:sp>
       <p:sp>
         <p:nvSpPr>
-          <p:cNvPr id="4" name="標題 3">
-            <a:extLst>
-              <a:ext uri="{FF2B5EF4-FFF2-40B4-BE49-F238E27FC236}">
-                <a16:creationId xmlns:a16="http://schemas.microsoft.com/office/drawing/2014/main" id="{1854605A-57A1-476A-82F9-537D284E62C2}"/>
+          <p:cNvPr id="5" name="文字版面配置區 4">
+            <a:extLst>
+              <a:ext uri="{FF2B5EF4-FFF2-40B4-BE49-F238E27FC236}">
+                <a16:creationId xmlns:a16="http://schemas.microsoft.com/office/drawing/2014/main" id="{CEE2A55E-C73D-43FF-AA36-95C0FF95B7B1}"/>
               </a:ext>
             </a:extLst>
           </p:cNvPr>
@@ -11925,7 +12130,7 @@
             <a:spLocks noGrp="1"/>
           </p:cNvSpPr>
           <p:nvPr>
-            <p:ph type="title"/>
+            <p:ph type="body" sz="quarter" idx="12"/>
           </p:nvPr>
         </p:nvSpPr>
         <p:spPr/>
@@ -11933,18 +12138,56 @@
           <a:bodyPr/>
           <a:lstStyle/>
           <a:p>
-            <a:r>
-              <a:rPr lang="zh-TW" altLang="en-US"/>
-              <a:t>個人進度報告</a:t>
-            </a:r>
-            <a:endParaRPr lang="zh-TW" altLang="en-US" dirty="0"/>
+            <a:endParaRPr lang="zh-TW" altLang="en-US"/>
           </a:p>
         </p:txBody>
       </p:sp>
     </p:spTree>
     <p:extLst>
       <p:ext uri="{BB962C8B-B14F-4D97-AF65-F5344CB8AC3E}">
-        <p14:creationId xmlns:p14="http://schemas.microsoft.com/office/powerpoint/2010/main" val="1266417032"/>
+        <p14:creationId xmlns:p14="http://schemas.microsoft.com/office/powerpoint/2010/main" val="929909194"/>
+      </p:ext>
+    </p:extLst>
+  </p:cSld>
+  <p:clrMapOvr>
+    <a:masterClrMapping/>
+  </p:clrMapOvr>
+  <mc:AlternateContent xmlns:mc="http://schemas.openxmlformats.org/markup-compatibility/2006" xmlns:p14="http://schemas.microsoft.com/office/powerpoint/2010/main">
+    <mc:Choice Requires="p14">
+      <p:transition p14:dur="250">
+        <p:fade/>
+      </p:transition>
+    </mc:Choice>
+    <mc:Fallback xmlns="">
+      <p:transition>
+        <p:fade/>
+      </p:transition>
+    </mc:Fallback>
+  </mc:AlternateContent>
+</p:sld>
+</file>
+
+<file path=ppt/slides/slide8.xml><?xml version="1.0" encoding="utf-8"?>
+<p:sld xmlns:a="http://schemas.openxmlformats.org/drawingml/2006/main" xmlns:r="http://schemas.openxmlformats.org/officeDocument/2006/relationships" xmlns:p="http://schemas.openxmlformats.org/presentationml/2006/main">
+  <p:cSld>
+    <p:spTree>
+      <p:nvGrpSpPr>
+        <p:cNvPr id="1" name=""/>
+        <p:cNvGrpSpPr/>
+        <p:nvPr/>
+      </p:nvGrpSpPr>
+      <p:grpSpPr>
+        <a:xfrm>
+          <a:off x="0" y="0"/>
+          <a:ext cx="0" cy="0"/>
+          <a:chOff x="0" y="0"/>
+          <a:chExt cx="0" cy="0"/>
+        </a:xfrm>
+      </p:grpSpPr>
+    </p:spTree>
+    <p:extLst>
+      <p:ext uri="{BB962C8B-B14F-4D97-AF65-F5344CB8AC3E}">
+        <p14:creationId xmlns:p14="http://schemas.microsoft.com/office/powerpoint/2010/main" val="4257906971"/>
       </p:ext>
     </p:extLst>
   </p:cSld>
